--- a/D1/3. EDA - part I.pptx
+++ b/D1/3. EDA - part I.pptx
@@ -72,6 +72,175 @@
 </p:presentation>
 </file>
 
+<file path=ppt/ink/ink1.xml><?xml version="1.0" encoding="utf-8"?>
+<inkml:ink xmlns:inkml="http://www.w3.org/2003/InkML">
+  <inkml:definitions>
+    <inkml:context xml:id="ctx0">
+      <inkml:inkSource xml:id="inkSrc0">
+        <inkml:traceFormat>
+          <inkml:channel name="X" type="integer" min="-2.14748E9" max="2.14748E9" units="cm"/>
+          <inkml:channel name="Y" type="integer" min="-2.14748E9" max="2.14748E9" units="cm"/>
+        </inkml:traceFormat>
+        <inkml:channelProperties>
+          <inkml:channelProperty channel="X" name="resolution" value="1000" units="1/cm"/>
+          <inkml:channelProperty channel="Y" name="resolution" value="1000" units="1/cm"/>
+        </inkml:channelProperties>
+      </inkml:inkSource>
+      <inkml:timestamp xml:id="ts0" timeString="2024-05-21T07:36:54.980"/>
+    </inkml:context>
+    <inkml:brush xml:id="br0">
+      <inkml:brushProperty name="width" value="0.08819" units="cm"/>
+      <inkml:brushProperty name="height" value="0.35278" units="cm"/>
+      <inkml:brushProperty name="color" value="#FFFF00"/>
+      <inkml:brushProperty name="tip" value="rectangle"/>
+      <inkml:brushProperty name="rasterOp" value="maskPen"/>
+    </inkml:brush>
+  </inkml:definitions>
+  <inkml:trace contextRef="#ctx0" brushRef="#br0">19756 9595,'-10'47,"1"0,0 0,0-1,0 1,-1 0,1-1,0 1,0 0,0 0,-1-1,1 1,0 0,43-27,14-18,2-2,-11 13,-19 29,-10 15,-2-5,10-26,5-33,7-17,5-13,2-9,0-5,-2 1,-4 4,-6 9,0-7,-5-2,-4 11,-4 20,-4 29,-8 18,0-1,0-31</inkml:trace>
+</inkml:ink>
+</file>
+
+<file path=ppt/ink/ink2.xml><?xml version="1.0" encoding="utf-8"?>
+<inkml:ink xmlns:inkml="http://www.w3.org/2003/InkML">
+  <inkml:definitions>
+    <inkml:context xml:id="ctx0">
+      <inkml:inkSource xml:id="inkSrc0">
+        <inkml:traceFormat>
+          <inkml:channel name="X" type="integer" min="-2.14748E9" max="2.14748E9" units="cm"/>
+          <inkml:channel name="Y" type="integer" min="-2.14748E9" max="2.14748E9" units="cm"/>
+        </inkml:traceFormat>
+        <inkml:channelProperties>
+          <inkml:channelProperty channel="X" name="resolution" value="1000" units="1/cm"/>
+          <inkml:channelProperty channel="Y" name="resolution" value="1000" units="1/cm"/>
+        </inkml:channelProperties>
+      </inkml:inkSource>
+      <inkml:timestamp xml:id="ts0" timeString="2024-05-21T07:37:09.461"/>
+    </inkml:context>
+    <inkml:brush xml:id="br0">
+      <inkml:brushProperty name="width" value="0.08819" units="cm"/>
+      <inkml:brushProperty name="height" value="0.35278" units="cm"/>
+      <inkml:brushProperty name="color" value="#FFFF00"/>
+      <inkml:brushProperty name="tip" value="rectangle"/>
+      <inkml:brushProperty name="rasterOp" value="maskPen"/>
+    </inkml:brush>
+  </inkml:definitions>
+  <inkml:trace contextRef="#ctx0" brushRef="#br0">18362 11465,'28'-14,"-1"1,13-9,2 2,-4 9,-1 1,-8-3,1 0,7 6,-4-1,-11-10,13 6,4-3,-13-13,-1-3,2 12,4 1,-5-2,0-10,-5-3,1-1,0 2,-1 12,-1 0,-10-8,1-2,16-1,3 1,-3-6,1-1,-5 11,2-1,-1 0,1 0,-1 0,-2 3,-3 0,-1 1,4-4,-5 5,-13 10,20-20,11 21,16 3,3 1,-12-2,-11-7,-1 1,12 7,10 3,-1-2,-14-6,-12-17,-11-3,-6 7,0-1,13-9,-1-1,-15 8,0 2,19-17,-13 13,2 3,0-1,-3-16,-3-2,1 18,0-1,-2-1,0 2,11-13,-11 3,-4-2,-2-8,1 17,-2 1,-7-12,7 2,-23 12,20 1,-12 13,1 22,-11 19,-6 12,0 2,3-1,2 1,-2 1,5-7,-2 1,1-2,2-4,-4 10,7-21,16-35,6-22,5-14,3-9,0-2,-1 7,-4 12,-1 1,-1 7,0-6,3-5,2-13,1-3,-1 5,-5 17,-5 24,-11 37,-8 27,-1 11,5-10,4 2,1-2,-11 7,-4 2,14-31,20-42,10-24,5-10,-3 3,-3 4,-1-1,0 0,1-1,1 2,2-7,-1 3,-5 13,-7 21,-11 29,-8 22,-5 15,-3 7,1-3,3-10,1-8,0-4,1 1,-3 7,4-6,-2 6,-1 4,0 3,-2 2,1-1,1 0,0-4,1-5,2-6,-3 6,2-6,1-3,0 0,-2 3,1-1,1-2,-5 10,2-5,0 4,9-70,13 0,8-6,0-5,0-3,1-7,0-2,1 2,0 8,1 3,0 5,-1 1,1-8,-1 0,-7 23,-11 41,-8 30,-4 4,4-21,-2 4,-2 2,-1 2,0-1,1-1,1-3,-1 2,2-3,-1-1,0 2,-3 6,3-8,-2 5,-1 4,-2 2,0 1,0 0,0 0,1-3,0-3,3-4,1-7,-13 26,3-10,16-26,19-35,13-21,5-10,1-1,-7 13,2-3,2-1,0-3,2-2,0 0,-1-1,0-1,-5 5,0-2,0-1,1-2,-1 0,0-1,1 2,-1 0,-1 3,1 2,-1 3,9-11,2-3,0 4,-3 6,-6 12,-9 15,-7 17,-7 16,-7 18,-5 10,0 5,-1-3,4-10,1 0,1-5,-1 5,0 4,-2 8,0 5,0-3,1-9,1-15,0-4,14-43,8-21,2-5,-3 2,2-7,0-4,2-1,-2 3,0 5,2-3,2-1,-5 11,-7 22,-12 31,-8 17,0-7,-4 6,-4 6,-3 4,-1 3,-2 2,0 2,0-1,1-2,4-6,0 2,-2 2,0 2,0 0,-1 1,0-1,1 0,0-3,1-1,1-3,1-4,2-3,-11 11,-3-3,4-6,8-5,15-10,37-2,-11-33,7-17,3-12,2-5,0 2,-1 9,3 1,1 0,1 3,-4 7,-6 11,15 16,-84 17,15-1,-5 3,1-3,-5-3,0 0,-6 5,11 3,31 10,2-23,6 39,-16-27,6-1,-30 11,-6-5,14-15,-12 11,-10 6,9-4,7-8,-12 1,4 2,24 5,-9-19,15 12,6-16,-6 8,32 9,13 11,4-13,4-3,-16-2,3-2,14-4,7-2,-7 0,-16-2,1 0,8 0,4 0,-2 0,0 0,-4 0,-3 0,-1 0,-3 0,1 0,5 0,0 0,-3 0,1 0,9 0,4 0,-7-1,1 1,-4 1,-5 2,-2 1,18-3,-5 0,-14 7,-3-8,5 0,10 8,4 0,-2-6,4-2,-2 2,-3 3,-1 1,0-2,3-2,0-3,-7 0,10 1,-17 0,-3 0,-5 0,19 0,-14 0,1 0,13 0,-20 0,8 0,-1 0,-4 8,25-6,-30 6,7-8,7 0,-19 0,9 0,-15 0,2 0,15 0,-5-8,-2 6,13-6,-25 8,25 0,-29 0,14 0,-6 0,0 0,13 0,-19 0,19 0,-21 0,-33 0,-2 0,-12 2,-2-4,16-5,3-1,-4 2,3 0,-4-12,7-13,7 25,-7-33,1 27,-3-29,9 19,3 2,0-1,-3-6,-17-8,15 7,-1-3,0 0,-1-3,1-6,-1-5,0 3,3 13,1 3,1-2,-1-9,1-2,2 8,-10 1,18 3,1-1,-11-11,6 3,-3-6,-1 8,-4-3,0-1,1 4,1 1,2 3,-3-3,-1-6,-3-3,0 1,5 6,3 4,1 3,-10-7,1-4,7 1,2-3,-1 4,-10 2,1-1,5-3,2-4,2 10,-3 5,2-3,6 19,-5-10,-3-5,-5 0,1-1,6-4,1 0,-6 9,2 1,9-10,3 1,-5-2,3 7,2-1,6-3,2 3,-1-5,1 8,-2-2,-2 0,-1 1,2-15,-2 10,0 2,-4 6,6-9,10 67,7 20,4-33,2 1,1 15,1 7,2-6,6-7,1-5,-2-2,1 1,-4-6,2 2,-1 1,0 9,0 4,0-3,3-4,0-1,-3 1,-5-1,-2 2,-4-5,9 7,-18-25,-24-22,-17-15,3 1,9 9,-1-3,-2-2,-4-5,-3-3,1-1,4 4,-2-4,4 2,-1-1,-2-4,0-1,1 2,-4 0,1 2,2-6,3 5,1 15,-9-28,32 47,-172 235,149-196,5-3,-1 1,-3 4,-2-3,-5 4,-2 3,0 1,1-2,5-4,5-5,-2 6,5-4,14-13,35-16,-7-24,6-14,2-4,-3 6,1 5,-2 3,1-2,4-8,4-7,-5 7,-14 21,-19 28,-13 20,-9 13,-3 4,1-2,6-15,-1 3,-2 1,-1 2,-1 1,0 0,0 0,1-1,1-1,-2 1,1 1,-1-1,1 0,0 0,0 0,0-1,1-1,-4 8,-4 6,0 0,1-2,7-9,8-13,11-16,26-25,-2-9,7-9,6-8,3-2,0-1,-2 5,0 0,1 0,0-1,1 2,-2 4,-1 5,18-6,-3 8,-16 19,-22 42,-22 18,-3-26,-8 4,-5 1,-2 1,3-3,5-3,-5 12,4-4,16-19,30-35,20-25,1-1,-11 4,4-5,-6 8,-11 21,-12 40,-25-5,-16 6,-10 4,-1 1,4-1,7-3,-2 2,1 0,1 0,4-2,5-4,-9 21,21-17,28-35,19-17,10-10,3-1,-4 6,-4 5,1 2,1 0,-3 0,-2 1,17-11,-3 0,-28 18,-52 31,-23 15,25-9,59-26,28-10,-23 12,-51 35,39-39,26-16,12-8,0-2,-16 7,-29 12,-37 17,-26 11,-13 4,1 0,12-8,-2-8,15 4,26 25,14 13,10-14,21-27,16-12,-11 4,14 0,4 0,-5 1,-15 1,-25 2,-23 2,-18 6,-17 4,-4 0,6-5,1-7,3 0,-18 19,20 1,49-12,22-7,17-2,-5-1,-16 1,0-1,2-2,7-3,-4 0,-14 2,-15 1,-44 7,-15 1,16-4,-4 3,-5 4,19 3,37 7,15 1,0-4,7-3,-1-4,7 0,0-1,-7-1,-1-1,-9 0,-7 9,-62-5,-1-5,14 2,45 7,14-8,14-3,-3 1,4 5,0-2,5-6,3-3,-13-3,-10-9,-34-11,-12-3,-6 10,-13 1,11 4,-8-1,-6-3,-5 0,-4-2,-4-1,-1-1,-1 1,-1-1,3 1,1 1,4 1,4 1,6 1,-14-5,9 2,2 2,-3-2,-7-1,10 5,-6-2,-5-1,-3 0,-3-1,-1 0,1-1,2 2,4 0,4 1,7 1,7 3,9 1,-12-14,39 24,9 0,12 0,10 0,8 0,7 0,6 0,3 0,1 0,1 0,-1 0,-3 0,-5 0,-7 0,-7 0,17 0,-10 0,-1 0,10 0,-15 0,10 0,6 0,5 0,3 0,0 0,-1 0,-4 0,-6 0,-8 0,-9 0,-13 0,-14 0,-25 0,-24 0,-14 0,-3 0,9 0,6 0,3 0,-3 0,-7 0,10 0,-5 0,-6 0,-2 0,-3 0,0 0,0 0,2 0,4 0,4 0,6 0,-13 3,6 2,5-4,2-10,1-9,-2-8,4-4,10-1,16 3,22 2,17 2,9-1,0-4,-4 0,4-3,2-3,2-1,-1 1,-3 2,-3 4,3-3,-3 2,-2 3,-2 2,5-3,-2 3,-12 18,-20 27,-13 20,-4 6,1-5,1-4,0-2,-1 4,2 10,0 6,0-3,-1-16,-9-8,21-53,4-19,-3 5,-1-4,-3-4,-2 4,-4-3,0-3,0 3,2 4,3 0,1 4,-4 1,-8-8,-3 0,10 25,16 33,7 19,7 15,2 5,0-1,-3-7,-1-5,-1-2,0 0,0 1,3 3,-4-4,2 2,1 3,0 0,1 0,-1-1,0-1,-1-3,7 13,1 5,-1-6,-4-13,-8-24,-8-31,-7-23,-5-17,-2-6,0 3,2 13,0-1,-1 6,-3-9,3 14,-3-8,-2-5,-1-4,0-1,-1 1,1 4,1 6,2 8,3 10,-10-13,23 57,8 25,5 14,2 4,-3-8,-3-8,0 1,0-1,1 0,0-1,4 5,3 5,-2-2,-5-14,-10-21,-23-40,-9-24,10 10,2-6,-2-3,-1-3,3 13,-2-3,-1-3,-1 1,1 0,2 3,1 3,0-3,2 3,0 1,-1-2,-5-14,-3-8,3 11,7 30,10 35,5 23,4 12,0 1,-1-8,1-1,1-4,1 8,-2-11,0 5,1 3,0 2,1 2,0 0,1 0,1-2,0 1,2 1,0 1,1 0,0-1,-1-2,-1-3,-1-3,3 10,-2-6,-1 0,1 3,1 1,1 10,1 2,-2-8,-3-14,-4-24,-6-40,-6-28,-4 1,0 19,-4 1,-5-8,5 11,-3-6,-2-6,-3-3,-2-3,-1-2,-1-1,1 0,0 1,0 3,2 4,2 3,3 7,-9-16,4 9,-1 1,-6-4,5 7,-5-9,-3-4,-2-2,0 3,1 6,4 9,5 12,6 17,5 21,7 21,6 13,2 10,2 3,-2-3,-2-6,-2-8,-1-1,-1 0,1 0,0 0,0 0,1 2,0 0,1 6,1 2,0-1,-1-3,0-7,-2-8,-1-12,-11-1,17-57,6-26,-4 20,0-5,1-4,3 0,2 1,2 2,4-7,2 1,0 5,0 13,-2 17,12 36,-17 16,-7 15,-4 3,-4-13,-3 2,-2 2,3-2,6-3,8 14,7-3,4-27,1-37,3-22,1-3,1 2,5-10,-1 2,-7 10,-11 21,-26 53,3-4,-4 11,0 4,4-3,3-7,2 1,2-2,2 2,0 2,0 2,5-4,8-12,29-13,-11-10,-52-4,-29-3,4-3,6-5,-3 0,5 5,-11 2,1 0,12-2,24-1,38-6,32-3,10 1,-12 6,-9 10,2 2,-4-9,11-4,5-1,-4 2,-11 5,-19 8,-18 21,-18-1,-28-16,-16-6,15 6,-3 1,1-2,8-5,2-3,2-1,1-1,0 0</inkml:trace>
+</inkml:ink>
+</file>
+
+<file path=ppt/ink/ink3.xml><?xml version="1.0" encoding="utf-8"?>
+<inkml:ink xmlns:inkml="http://www.w3.org/2003/InkML">
+  <inkml:definitions>
+    <inkml:context xml:id="ctx0">
+      <inkml:inkSource xml:id="inkSrc0">
+        <inkml:traceFormat>
+          <inkml:channel name="X" type="integer" min="-2.14748E9" max="2.14748E9" units="cm"/>
+          <inkml:channel name="Y" type="integer" min="-2.14748E9" max="2.14748E9" units="cm"/>
+        </inkml:traceFormat>
+        <inkml:channelProperties>
+          <inkml:channelProperty channel="X" name="resolution" value="1000" units="1/cm"/>
+          <inkml:channelProperty channel="Y" name="resolution" value="1000" units="1/cm"/>
+        </inkml:channelProperties>
+      </inkml:inkSource>
+      <inkml:timestamp xml:id="ts0" timeString="2024-05-21T07:37:22.875"/>
+    </inkml:context>
+    <inkml:brush xml:id="br0">
+      <inkml:brushProperty name="width" value="0.08819" units="cm"/>
+      <inkml:brushProperty name="height" value="0.35278" units="cm"/>
+      <inkml:brushProperty name="color" value="#FFC000"/>
+      <inkml:brushProperty name="tip" value="rectangle"/>
+      <inkml:brushProperty name="rasterOp" value="maskPen"/>
+    </inkml:brush>
+  </inkml:definitions>
+  <inkml:trace contextRef="#ctx0" brushRef="#br0">19967 5979,'0'42,"0"1,0-6,0 1,0 0,0 13,0-2,0-1,0 0,0-8,0 1,0-6,0 6,0 0,0-2,-8 1,3-2,1 2,-1-8,0 1,2 6,-2-2,-11 2,11 0,3 8,-2-5,-5-11,0 0,5 16,2 7,0-6,-2-5,0-3,3 1,0-2,-3-13,0 1,4 8,2 5,-4-3,-5-7,-1 0,6 7,2 3,-2-7,-14 2,16 5,0-27,0 13,0 5,0-3,0-1,1 0,-2 3,-3 8,-3 6,2-5,4-5,-1-1,-7 14,2 0,7-13,0-3,-16 16,14-16,0 1,-5-6,-1 0,3 1,2-3,1 6,-6 3,8-7,-8-7,3 9,0 1,-5 4,3 11,7-29,0-7,9-30,5-9,8 17,-9-11,2-15,0-6,1 2,-1 9,11 2,-1 2,-10-4,-3-8,0 3,2 11,17 3,-21 50,16-9,-20 12,-1 3,8-7,-2-1,-9 5,-2 1,3-1,2-1,3 9,9-1,3-15,-3 7,-1-16,2 13,1-11,-1 13,-2-15,-14 14,21-20,-19 11,12-15,-8 0,1 0,1 16,-2-12,-8 19,8-21,-6 22,6-12,-8 5,0-1,0-14,0 21,0-11,0 6,0-3,0-38,0-14,0 10,0-1,0-8,0-4,0 2,-4-3,0 2,4-8,-2 2,-6 11,0 1,4-6,-2 0,-6-1,-1 3,1-4,4 9,1-1,2 7,2-1,1 1,2-4,-3-9,0-4,1 1,1-5,2-4,-1 10,0-7,0-2,0 1,0 4,0-4,0 3,0-4,0 10,0-4,0-2,0 0,0 3,0 5,0-3,0 4,0-4,0 2,0-5,0-3,0 1,0 4,0 7,1-6,-2-1,-2-1,-2-10,-1-4,1 6,0 10,3 12,-2 2,-3-17,-2-7,2 6,2 12,2 4,1-18,-6-2,8 37,0 12,-8 20,7 23,-5-8,-2 11,-2 5,1-1,2-7,4-5,2-3,-3 6,0-6,-3 6,-1 5,0 2,-1 0,2-1,0-4,3-4,1 4,2-5,1-1,-2 3,-2 1,-1 0,-1 2,1 2,1 3,2-4,0 4,1 3,0 1,1 0,-1-2,1-4,-1-5,1 4,-1-7,1 0,-1 6,1 0,-2 7,1 4,-1 0,1-3,0-7,1-10,-1-3,2-5,2 4,1-4,-2-9,14-10,2-16,-11-22,-4-19,-2-7,2 16,-1-5,1-4,-1-2,0 0,0-1,0 1,-1 2,-3-3,0-3,0 2,1 1,3 5,2 7,4 8,20-15,1 27,-8 57,-14-12,-1 9,0 8,0 6,0 4,-1 3,0 1,0-2,-1-2,-1-5,-1-6,0 10,-2-4,-1-3,0-1,1 1,2 2,2 5,-1-4,-2-8,-3-16,-4-15,-1-31,-1-26,-2-5,-2 13,-2-5,-1-1,0-2,0-1,4 10,0-2,0-1,0 0,0 0,1 1,-1 1,-1-3,-1-1,1 1,0 1,0 3,2 3,-3-15,2 4,2 27,1 42,6 4,0 14,2 9,0 8,1 3,0 1,0-3,0-5,-1-9,0 6,0-8,0 0,0 7,1-3,-1 11,2 5,-1 1,0-5,0-10,0-15,0-20,-1-28,1-24,-1-17,0-5,1 2,-1 19,1-2,0-2,-1-2,1-1,0-1,0-1,0 1,0 0,0 1,0 0,0-3,1 0,0-1,0 1,0 1,-1 2,1 2,-1 4,0 3,0-19,0 1,0 13,0 27,1 28,0 20,1 15,0 8,-1 5,0-2,0-6,-1-5,0 2,-1 0,0 1,0 0,0-1,-1-1,0-1,0 4,0 6,-1 1,0-4,0-9,-2-14,0-18,-3-30,-2-28,0-15,-1-4,2 10,2 11,1 2,1 0,-1-1,0-2,-1-6,0-9,-1-1,0 8,0 14,0 25,0 30,-1 27,0 15,0 4,0-6,1-11,0 1,1 1,-1 0,0 1,0 1,1-1,-1 2,0 0,0 1,1-1,-1-2,0-2,-3 10,-2 4,2-5,3-14,7-24,6-21,6-21,1-16,-3 7,0-5,1-4,0-3,2 0,1-1,2-9,1-3,0 3,-1 9,-2 14,-4 21,-1 41,-5 30,-1-6,1-18,-2 5,-5-9,-1 9,-3 7,-1 5,-1 3,-1 2,0 0,-1-1,1-3,0-5,1-7,-2 9,-1-5,1-4,-1-1,2-2,-6 15,1-3,6-18,9-24,1-19,2-17,0-15,1-11,1-7,0-3,1-1,0 5,1 7,-1 5,2 2,0 0,0 0,1 0,-1-1,1 0,-1-1,0-2,-2 7,0-2,0-2,0 0,0-1,-1 0,1 1,-1 0,1 0,0 2,0 2,1 2,1-9,0 0,1 0,1 2,-2 3,1 4,-1 7,-2 7,10-18,-11 13,-2-1,2-7,0 0,0 8,-1 1,1-14,-2 2,-3-2,9 60,7 26,1 13,-4 0,-6-13,-3 4,-1 4,-1 2,0 1,1 0,0-3,2-2,3-2,0-1,2-1,0-1,-1-1,-1 0,-2-1,0 17,-2 6,-2-5,0-15,0-27,-1-33,-1-27,0-15,-1-4,1 9,0 12,0 1,0-1,0 1,0-3,0 0,0-5,0-1,0 3,0 5,0 10,0 4,0 5,-1-9,2 13,6 47,2 15,-5-14,-4-58,-5-7,-2-9,-1-6,2 13,-2-5,1-2,-1-1,0 3,2 3,-2-11,1 4,0 0,-2-6,0 0,4 16,5 22,0-29,0 1,0 30,-29 32,-13 24,23-13,0 5,0 4,0 0,-1-3,-5 6,-1 1,-1-4,-1-8,-17-1,8-21,25-32,8-13,1-3,3-5,3 9,13 4,4 23,23-9,-27 34,-3 17,-6-7,-2 10,0 7,-2 5,1 3,-2 2,0-1,0-2,0-4,-1-7,1 6,-2-7,0-1,0 1,0 7,1-2,-2 10,1 7,-1 3,0-1,1-3,1-8,0-10,2-14,0-18,5-26,1-25,2-14,-1 1,-1 12,2 5,0-2,-2-1,1-14,1-4,0 5,-2 14,-2 24,-2 33,-2 17,-2 2,0 10,-1 6,-1 3,0 0,-1-13,-1 1,0 2,-1 1,1 1,-1-2,1 0,1-1,1 6,0 1,1-2,0-1,-1 0,-2-2,-2 4,-2 3,-1-4,1-7,3-12,2-6,5-38,4-22,2-15,2-8,1-3,-1 5,-1 12,-1 3,0 4,1 3,3 1,11-16,5 4,-6 25,-9 37,-4 17,-9 5,-5 17,-3 6,1-3,3-13,6-24,9-22,-7-21,-6-19,0-9,2-1,3 7,1-3,2-4,0-2,0 1,0 0,-1 3,-1-2,0 1,0 0,0 1,0 1,-1-1,0-1,0-8,0 1,0 7,1 15,0 21,2 30,1 24,0 5,-2-6,0 6,-1 3,0 2,1 2,-2-11,1 4,-1 1,1 1,-1 0,1 0,0-2,0-3,1 5,0-1,0-1,0-2,0-3,-1-4,3 12,-1-5,-4-25,-6-38,-4-26,-1-9,2 7,4 8,0 2,-2-7,-2 3,-3-8,-1-6,-2 0,2 2,1 5,3 8,1-9,2 2,-4 1,-3-9,0 6,6 17,4 20,0-3</inkml:trace>
+</inkml:ink>
+</file>
+
+<file path=ppt/ink/ink4.xml><?xml version="1.0" encoding="utf-8"?>
+<inkml:ink xmlns:inkml="http://www.w3.org/2003/InkML">
+  <inkml:definitions>
+    <inkml:context xml:id="ctx0">
+      <inkml:inkSource xml:id="inkSrc0">
+        <inkml:traceFormat>
+          <inkml:channel name="X" type="integer" min="-2.14748E9" max="2.14748E9" units="cm"/>
+          <inkml:channel name="Y" type="integer" min="-2.14748E9" max="2.14748E9" units="cm"/>
+        </inkml:traceFormat>
+        <inkml:channelProperties>
+          <inkml:channelProperty channel="X" name="resolution" value="1000" units="1/cm"/>
+          <inkml:channelProperty channel="Y" name="resolution" value="1000" units="1/cm"/>
+        </inkml:channelProperties>
+      </inkml:inkSource>
+      <inkml:timestamp xml:id="ts0" timeString="2024-05-21T07:37:36.291"/>
+    </inkml:context>
+    <inkml:brush xml:id="br0">
+      <inkml:brushProperty name="width" value="0.08819" units="cm"/>
+      <inkml:brushProperty name="height" value="0.35278" units="cm"/>
+      <inkml:brushProperty name="color" value="#FFC000"/>
+      <inkml:brushProperty name="tip" value="rectangle"/>
+      <inkml:brushProperty name="rasterOp" value="maskPen"/>
+    </inkml:brush>
+  </inkml:definitions>
+  <inkml:trace contextRef="#ctx0" brushRef="#br0">19950 6032,'7'41,"1"-1,0 0,0 1,0-1,2 4,0-1,-1-2,-7-8,-9-6,-2-5,6 1,-6-51,2-20,5 11,4-1,5-9,2 2,2-2,7 79,-2-64,-14 17,5-27,-14 17,5 13,-14-11,-2 21,7-6,-5 8,8 8,6 9,-6-5,8 4,-8-8,6-6,-5 13,7 3,-8-6,6 11,-6-21,8 14,-16-6,12-1,-11 15,15-20,0 12,0-9,0 3,-8 0,6 14,-6-21,8 21,0-22,0 14,0 1,0-5,0 19,0-11,0 0,0 3,0-21,0 14,0-6,0 15,0-5,0 5,-8 8,6-11,-6 19,0-11,1-1,3 6,-4-4,0 3,8-4,0-1,-4-5,0 3,3 9,2 5,-3-3,-6-2,1-1,5 13,2-2,-4-19,0-1,3 11,2 0,-1-7,0-1,0 10,0 0,0-12,0-1,0 17,0-3,0-11,2 4,-4-3,-14-13,12 11,-11-1,15 14,0-19,0 19,0-21,0 5,0 1,0-15,0 37,0-41,0 25,0-24,0-6,0 37,0-31,0 39,0-28,-8 1,7 7,0 1,-7-3,0 18,7 6,0-4,-7-17,9 13,-2-2,-7-23,6 17,-5 6,7 6,0-11,7-24,3-10,13-22,7-16,-2 1,-4 7,1-2,-3-1,3-6,-1-1,-3 3,-4 2,-3 3,-2 1,-1-3,-3-1,1-1,0-2,-3 8,-4 11,1-18,2 11,3 46,-7 26,0 8,2-18,1 2,2 11,-1 6,0-12,-1-12,12 9,-16-38,8 5,1-30,1 9,-2 44,-8-25,-2 25,4 3,14-7,-12-5,11 13,-15-25,0 7,8 2,-6-7,6 13,-8-22,0 14,8 1,-6-5,6 11,-8-21,15 14,-11 2,12 1,-16-1,0-10,8 0,-6 1,5 1,1 14,-6-20,6 19,-8-13,0 0,8-42,-6-9,2 3,0-2,-4 12,0 1,0-2,0-1,0 3,0 1,0-5,0 0,0-1,0 17,0-13,0-1,0 7,0-11,0-8,0 17,0-25,7 20,1-1,-4-13,5 10,-2 0,-7-10,0 16,0 1,0-21,0 14,0-1,0 7,0-1,0-6,0-2,0 2,0-1,0 2,0-7,0 1,1 6,-1-1,-1-1,-3 1,-2 0,0 0,1-9,-1 0,-3 1,0 4,0 12,2 3,5-3,-5-2,-1-2,7 4,0 1,-10-9,-2-1,8 3,-2 5,-10 4,9-24,0 11,6 5,-9 6,-1 1,8-3,-12 7,8 4,6 8,-6-1,8-17,-8 14,7-19,-7 11,-8-15,4 8,-5-7,9 56,3 23,2 2,1 0,2 2,0 4,-1-15,0 2,-1 3,0 1,1 3,0 2,1-6,-1 5,1 1,0 3,0 1,1 0,-1-1,0-1,0-2,0-3,0 1,0-2,0-2,0 0,0-1,0 2,0 3,0 0,0 3,0 3,0 0,0 0,0-1,0-4,0-4,0-5,0 16,0-8,0-6,1 10,-2-23,-1-42,0-24,-2-15,0-11,0-1,0 5,1 11,-1 4,1 6,0-2,-1-7,1 10,-1-6,-1-4,1-4,-1-1,0-2,0 2,0 1,0 4,1 4,0 6,-2-11,1 7,0 2,-1-2,1 0,0-3,-1 0,1 4,1 9,-4-17,8 2,0 76,0 3,0 12,0 4,0 1,0-5,1 1,-1 3,0 1,-1 4,-1-8,0 4,-2 2,1 2,-1-1,1-1,0-3,1-3,0 2,1-2,1-2,-1-2,-1 0,-3 14,-1 5,-1-12,1-29,-2-42,3-1,0-7,2-6,1-7,0-4,0 1,0 5,0-2,0 0,1 1,0 2,0-1,1 1,1 2,-1 2,0-8,0 2,0 23,0 37,0 25,0 16,0 6,0-4,0-12,0-8,0-5,0 5,1 4,0 10,0 4,1-3,-1-9,1-15,0-5,29-50,-13-6,-1-11,1-5,-4 10,1-4,1-2,-1-2,1 1,-2 1,0 2,-1 0,0 1,-1-1,1-2,-2 0,1-4,0-2,-1-3,0 1,0 2,-2 3,0 5,2-7,-2 5,-2 0,0-10,-1-1,-1 13,3 11,-8 3,0 45,0 17,-1-2,-1 7,0 3,-1 2,-1-1,-1 3,-1 1,0 1,2-1,0-1,2 2,0-1,-1-2,0-2,-3 0,-1-2,0-3,3-6,4-2,0-7,0 7,0-26,0 17,0-15,0-6,0 28,0 10,0 0,0-2,0 0,0-5,0-15,0 7,0-13,8 20,-6-28,22 27,-20-19,11 29,-15-12,0-4,0 1,0 11,0 7,0-48,1-17,-2-11,-5-1,-3-8,-3-4,1 0,2 5,2-6,2 4,-2-5,-2 1,-2-5,0-2,1 3,2 7,1 5,2 6,1-2,2-12,3-2,-2 3,-3-3,0 3,4-1,0 0,0 6,0 2,0 12,0 1,0-24,0 18,0 25,0-26,0 30,0-21,0 19,0 35,4 2,3 7,-2 1,-3-1,-2 0,2 0,3-1,1-1,-2-2,-3 2,-2-5,1 4,16 2,-14 10,0-2,14-15,-11 13,-2-2,-2-22,7 13,-8-9,0 3,8 7,-8-10,2 1,22 13,-22-9,0-1,13 0,-15 5,8-25,-6 15,6-12,-8 13,0 8,0-19,0 10,0-16,-8-46,6 36,-6-37</inkml:trace>
+</inkml:ink>
+</file>
+
+<file path=ppt/ink/ink5.xml><?xml version="1.0" encoding="utf-8"?>
+<inkml:ink xmlns:inkml="http://www.w3.org/2003/InkML">
+  <inkml:definitions>
+    <inkml:context xml:id="ctx0">
+      <inkml:inkSource xml:id="inkSrc0">
+        <inkml:traceFormat>
+          <inkml:channel name="X" type="integer" min="-2.14748E9" max="2.14748E9" units="cm"/>
+          <inkml:channel name="Y" type="integer" min="-2.14748E9" max="2.14748E9" units="cm"/>
+          <inkml:channel name="F" type="integer" max="32767" units="dev"/>
+        </inkml:traceFormat>
+        <inkml:channelProperties>
+          <inkml:channelProperty channel="X" name="resolution" value="1000" units="1/cm"/>
+          <inkml:channelProperty channel="Y" name="resolution" value="1000" units="1/cm"/>
+          <inkml:channelProperty channel="F" name="resolution" value="0" units="1/dev"/>
+        </inkml:channelProperties>
+      </inkml:inkSource>
+      <inkml:timestamp xml:id="ts0" timeString="2024-05-21T07:37:50.262"/>
+    </inkml:context>
+    <inkml:brush xml:id="br0">
+      <inkml:brushProperty name="width" value="0.05292" units="cm"/>
+      <inkml:brushProperty name="height" value="0.05292" units="cm"/>
+      <inkml:brushProperty name="color" value="#00B0F0"/>
+    </inkml:brush>
+    <inkml:brush xml:id="br1">
+      <inkml:brushProperty name="width" value="0.05292" units="cm"/>
+      <inkml:brushProperty name="height" value="0.05292" units="cm"/>
+      <inkml:brushProperty name="color" value="#FF0000"/>
+    </inkml:brush>
+  </inkml:definitions>
+  <inkml:trace contextRef="#ctx0" brushRef="#br0">16916 11500 24575,'0'-25'0,"0"-1"0,-3-13 0,-1-10 0,-1-3 0,1 4 0,0 4 0,0 1 0,0-5 0,1 8 0,-1-5 0,0-4 0,0-2 0,0 2 0,1 2 0,0 7 0,0-2 0,1 5 0,0 2 0,-1-4 0,-2-4 0,-1-3 0,0-1 0,1 1 0,3 2 0,5 1 0,4 2 0,-1 0 0,-2 0 0,-5-2 0,-3 0 0,0 0 0,3-1 0,4 5 0,2 0 0,1-2 0,0 1 0,-2-1 0,-2-1 0,0-1 0,0 0 0,-1 1 0,0 3 0,-1-11 0,1 3 0,0-1 0,0 1 0,0-3 0,1 2 0,1 4 0,5-4 0,0 0 0,-6 10 0,-2-5 0,0 1 0,2 5 0,6-6 0,0 3 0,-7-9 0,-2 0 0,1 10 0,0 4 0,0-10 0,2 8 0,2-8 0,1-4 0,-1 3 0,2-2 0,1 0 0,0-3 0,-2 9 0,0-4 0,0-1 0,1-1 0,0 2 0,2 2 0,1-1 0,0 1 0,0 1 0,-2 2 0,-3-3 0,-1 2 0,-1 2 0,2 1 0,4-3 0,1 2 0,-2-1 0,-5-2 0,-2-2 0,-2 1 0,2 7 0,0 3 0,0 1 0,2-8 0,1-4 0,0 8 0,-1 4 0,5-16 0,-7 0 0,0 1 0,0 1 0,0 4 0,3 3 0,0-8 0,-1 1 0,-1 11 0,-1 2 0,1-2 0,2-9 0,0-3 0,-1-2 0,-1 8 0,-1-2 0,-1 0 0,1 4 0,0 0 0,0 2 0,0-2 0,2-4 0,0-5 0,0 2 0,0 7 0,-1 1 0,0 5 0,7-13 0,-8 14 0,0 9 0,1-8 0,-2 0 0,-7 8 0,6-25 0,-6 30 0,8-7 0,0 16 0,0-13 0,0 3 0,0-23 0,0 17 0,0-1 0,0-4 0,0-1 0,0 5 0,0 0 0,0-3 0,0 1 0,1 2 0,-2 1 0,-3-5 0,0-1 0,3-4 0,0 2 0,-7-13 0,8 13 0,0 19 0,0-11 0,-7 5 0,5-21 0,-6 31 0,8-5 0,0 8 0,0 6 0,0-6 0</inkml:trace>
+  <inkml:trace contextRef="#ctx0" brushRef="#br0" timeOffset="1310">16845 5838 24575,'20'-10'0,"15"-22"0,0-6 0,-13 7 0,-4 2 0,2-5 0,-1 6 0,4-1 0,-19-12 0,12 29 0,-16-4 0,8 16 0,-6 0 0,13 0 0,-5 0 0,0 0 0,-2 16 0,-8-12 0,15 12 0,-3-9 0,14-5 0,-1 14 0,-5 10 0,-1-4 0,4 5 0,-1 0 0,4 12 0,-1 0 0,3-1 0,-1-3 0,-10-12 0,-2-7 0,0-16 0,-11 0 0,12 0 0</inkml:trace>
+  <inkml:trace contextRef="#ctx0" brushRef="#br0" timeOffset="6804">17903 4392 24575,'25'38'0,"0"1"0,0-1 0,-10 0 0,-1 1 0,7 2 0,2 4 0,-4-6 0,-9-9 0,-2-5 0,3 10 0,5-19 0</inkml:trace>
+  <inkml:trace contextRef="#ctx0" brushRef="#br0" timeOffset="8164">18292 4304 24575,'-8'-2'0,"-10"19"0,6 5 0,-1 6 0,3 1 0,8 2 0,-2-6 0,0 1 0,4 9 0,0 8 0,8-21 0,9 9 0,-5-29 0,12 6 0,-14-8 0,15 0 0,-13 0 0,11 0 0,-5-16 0,-6 13 0,3-37 0,-15-5 0,0-4 0,0 19 0,0 1 0,0 2 0,0 9 0,-7-5 0,-3 19 0,0-20 0,-6 22 0,-1-5 0,5 7 0,-4 0 0,16 0 0</inkml:trace>
+  <inkml:trace contextRef="#ctx0" brushRef="#br0" timeOffset="9242">18574 4286 24575,'-43'13'0,"1"0"0,-1 0 0,3 1 0,2 2 0,14 1 0,24 19 0,0-13 0,-1 8 0,2 1 0,15 7 0,-12 0 0,20-7 0,-7-32 0,-5 0 0,11 0 0,3-24 0,-4 18 0,3-25 0,-9 5 0,-14 13 0,-2-19 0,7 1 0,18 22 0,-2 0 0,-27-40 0,47 39 0,-59 3 0,8 7 0,-2 0 0,1 0 0,1 0 0,8 0 0</inkml:trace>
+  <inkml:trace contextRef="#ctx0" brushRef="#br0" timeOffset="10846">18874 4163 24575,'-19'18'0,"0"1"0,-6 6 0,-3-6 0,1 1 0,0 20 0,-1-14 0,5 3 0,15 0 0,8 0 0,10 16 0,8-10 0,5-1 0,-8-12 0,1-3 0,4 4 0,3-5 0,9-14 0,1-8 0,-8 2 0,1-5 0,2-10 0,2-4 0,-2 2 0,2 6 0,-5-2 0,-2-25 0,-11 0 0,-12 16 0,-12-9 0,-5 17 0,9-1 0,-23-11 0,15-7 0,-12 20 0,-1 3 0,8-6 0,-13 2 0,9 14 0,5-6 0,3 8 0,9 0 0</inkml:trace>
+  <inkml:trace contextRef="#ctx0" brushRef="#br0" timeOffset="15557">18503 11783 24575,'-27'7'0,"9"-5"0,2 45 0,7-11 0,1 1 0,2-10 0,0 1 0,-4 7 0,4 0 0,16-5 0,4-3 0,0 3 0,-1 10 0,-1 0 0,-4-19 0,-16 28 0,6-19 0,-14-3 0,14-11 0,-5 0 0,7-5 0,0 15 0,0 15 0,0-2 0,-1-5 0,2 1 0,6 12 0,-3-21 0,2-1 0,28 10 0,-21-15 0,11-5 0,-24-15 0</inkml:trace>
+  <inkml:trace contextRef="#ctx0" brushRef="#br0" timeOffset="16705">17022 12241 24575,'15'37'0,"0"-1"0,0 1 0,-5-2 0,-1 1 0,-1-5 0,8 16 0,-1-14 0,-11-17 0,12-14 0,-16 6 0</inkml:trace>
+  <inkml:trace contextRef="#ctx0" brushRef="#br0" timeOffset="18090">17286 12259 24575,'-15'31'0,"1"0"0,-2 15 0,34-13 0,9 0 0,-7-11 0,3 3 0,-5-17 0,9-10 0,5-4 0,-7 6 0,1-2 0,1-4 0,-1-3 0,5-9 0,-29-25 0,6 19 0,-8-23 0,-16 12 0,12 11 0,-12 5 0,1-1 0,11 3 0,-20 5 0,-1-4 0,3 16 0,-11 0 0,7 16 0,15-12 0,-13 12 0,22-9 0,-6-5 0,8 6 0</inkml:trace>
+  <inkml:trace contextRef="#ctx0" brushRef="#br0" timeOffset="19409">17621 12118 24575,'-10'27'0,"3"14"0,7-19 0,7 11 0,3-7 0,0-15 0,14 13 0,-13-14 0,15-1 0,-16-1 0,13-8 0,-11-8 0,6 7 0,-3-15 0,3-2 0,-6-9 0,11-8 0,-21 7 0,6-13 0,-16 27 0,6-25 0,-21 35 0,11-12 0,-37 16 0,25 0 0,-9 0 0,25 0 0,8 0 0,0 0 0</inkml:trace>
+  <inkml:trace contextRef="#ctx0" brushRef="#br0" timeOffset="20856">17921 11959 24575,'-10'20'0,"2"3"0,8-13 0,0 31 0,8-17 0,-4 4 0,2 0 0,20-6 0,-15 3 0,13-17 0,-14-8 0,-1 0 0,15 0 0,-12-8 0,13-17 0,1-4 0,-7-15 0,-1 9 0,-10 8 0,-8-7 0,-8 15 0,-10 1 0,-1 2 0,-7 14 0,1-5 0,5 7 0,-5 0 0,-1 0 0,7 0 0,1 0 0,10 0 0,8 0 0</inkml:trace>
+  <inkml:trace contextRef="#ctx0" brushRef="#br1" timeOffset="39689">19720 5874 24575,'4'28'0,"0"0"0,-2 8 0,6 9 0,0 0 0,-6-12 0,2-5 0,0 1 0,-4-3 0,0-1 0,0 8 0,0 4 0,0-1 0,0-13 0,0 20 0,0 2 0,0-7 0,0 5 0,0 4 0,0-11 0,0-2 0,0-5 0,0 1 0,0 12 0,0-2 0,0-11 0,0-3 0,0 14 0,0 4 0,0-2 0,0-21 0,0 7 0,0 1 0,0 10 0,0-23 0,0 16 0,0 1 0,0-10 0,7 20 0,1 2 0,-4-7 0,4 2 0,0 2 0,-8 3 0,0-8 0,0-5 0,0 1 0,0 8 0,0-7 0,0 5 0,0-4 0,0 12 0,0-8 0,0 7 0,0-4 0,0-6 0,0-1 0,0 12 0,0 4 0,0-10 0,0 3 0,0-6 0,0-5 0,0-1 0,0 18 0,0 0 0,0-10 0,0-4 0,0 8 0,0-8 0,0 8 0,0-5 0,0-7 0,0 1 0,0 8 0,0 5 0,0-6 0,0-10 0,0-1 0,0 11 0,0 0 0,0-12 0,0-1 0,0 4 0,0 3 0,0 4 0,0 3 0,0-4 0,0 12 0,0-8 0,0 7 0,0-10 0,0-9 0,0 7 0,0 1 0,0-2 0,1-10 0,-2 3 0,-7 6 0,0 3 0,6 3 0,0 0 0,-6-4 0,1 0 0,5 0 0,3 1 0,0-2 0,-1 1 0,0-1 0,0-2 0,0 2 0,0-1 0,0 7 0,0-4 0,0 12 0,0-11 0,0-3 0,0-12 0,0 12 0,0 9 0,0-3 0,0-11 0,0 0 0,0 6 0,0 7 0,0-1 0,0-6 0,0-3 0,0-3 0,0 17 0,0-4 0,-8-6 0,7-8 0,0 1 0,-7 17 0,7-12 0,2-1 0,-1 5 0,0 2 0,0 0 0,0-2 0,0 7 0,0-7 0,0 2 0,0-14 0,0-1 0,0 8 0,0 2 0,0 0 0,0 2 0,0-8 0,0-4 0,0 6 0,0 8 0,0-10 0,0-15 0,0 19 0,0-11 0,0-11 0,0 6 0,0-11 0,0-7 0</inkml:trace>
+  <inkml:trace contextRef="#ctx0" brushRef="#br1" timeOffset="78300">18468 11359 24575,'27'32'0,"-9"-9"0,-10 12 0,-8-11 0,0-22 0,0 6 0</inkml:trace>
+  <inkml:trace contextRef="#ctx0" brushRef="#br1" timeOffset="78822">18609 11324 24575,'0'47'0,"7"2"0,2-2 0,-5-16 0,4 4 0,-1-5 0,-7-22 0</inkml:trace>
+  <inkml:trace contextRef="#ctx0" brushRef="#br1" timeOffset="79333">18733 11236 24575,'5'42'0,"1"1"0,0-1 0,-1-11 0,0-1 0,-2 11 0,0 6 0,-1-12 0,-2-11 0</inkml:trace>
+  <inkml:trace contextRef="#ctx0" brushRef="#br1" timeOffset="79848">18909 10901 24575,'0'41'0,"0"0"0,0 0 0,0 2 0,-1 3 0,1 0 0,1-5 0,1-5 0,0-4 0,2 0 0,1 6 0,1 0 0,0-4 0,-1 4 0,2-11 0,9-19 0</inkml:trace>
+  <inkml:trace contextRef="#ctx0" brushRef="#br1" timeOffset="80484">19068 10460 24575,'2'46'0,"1"0"0,-1 0 0,0 0 0,1 0 0,-1 0 0,1 0 0,-1 0 0,1 0 0,0 1 0,-1 1 0,1-1 0,0-1 0,0-1 0,0-3 0,1-2 0,2 11 0,1-3 0,-1-4 0,0-1 0,-2 5 0,0-3 0,2-5 0,17 23 0,-23-63 0,0 0 0</inkml:trace>
+  <inkml:trace contextRef="#ctx0" brushRef="#br1" timeOffset="80949">19368 10036 24575,'2'48'0,"0"-1"0,0 1 0,0 0 0,1-1 0,-1 1 0,0-1 0,-1 0 0,0-7 0,0 2 0,0 8 0,1-11 0,0 7 0,1 4 0,0 4 0,0 1 0,0 2 0,1-1 0,-1-2 0,0-4 0,0-3 0,-1-6 0,1 14 0,0-9 0,-1 0 0,2 5 0,1-6 0,0 6 0,2 3 0,0 0 0,-1-3 0,0-5 0,-1-8 0,2 9 0,0-8 0,5-8 0,0 1 0</inkml:trace>
+  <inkml:trace contextRef="#ctx0" brushRef="#br1" timeOffset="81549">19562 9684 24575,'0'5'0,"1"13"0,2 13 0,1 11 0,1 7 0,0 5 0,0 3 0,0-2 0,-2-4 0,-1-8 0,-1 0 0,0 1 0,-1 2 0,0 0 0,1 0 0,-1 1 0,0 1 0,1-1 0,-1 1 0,2 0-274,0 0 1,0 1 0,1 1 0,0 1 0,0 0 0,0 0 0,0-1 0,0 1 0,0-1 0,0-2 0,-1 0 0,-1-1-92,0 5 1,0 1 0,-1 1 0,0-2 0,-1-1 0,1-3 0,0-3 0,-1-4 0,1-4 19,0 19 0,0-7 0,0-29 0,0-22 0,0-6 0</inkml:trace>
+  <inkml:trace contextRef="#ctx0" brushRef="#br1" timeOffset="82133">19756 9401 24575,'4'47'0,"0"-1"0,0 0 0,0 1 0,0-1 0,0 1 0,1-1 0,-1 0 0,0 1 0,0 1 0,1-4 0,0-1 0,-1 0 0,0 3 0,-1 4 0,-1-7 0,-1 4 0,0 3 0,0 2 0,-1 1 0,0 0 0,0 0 0,0-2 0,1-2 0,0-4 0,0-4-656,2 11 1,0-6-1,0-2 1,1-1 0,-1 3 415,-1 2 1,-1 4 0,1 0-1,-1-1 1,1-5 0,2-7 526,3 20 0,3-23 0,-2-34 1,-8 5-1</inkml:trace>
+  <inkml:trace contextRef="#ctx0" brushRef="#br1" timeOffset="82885">20197 9119 24575,'7'45'0,"1"1"0,0-1 0,0 0 0,0 1 0,0-1 0,-1 0 0,1 1 0,-3 0 0,-2-5 0,-2 0 0,2 2 0,1 7 0,0-12 0,1 4 0,1 3 0,1 2 0,0 2 0,0 1 0,1 1 0,-1-1 0,-1 0 0,0-3 0,-2-2 0,-1-2 0,0 9 0,-2-2 0,-1-2 0,0-2 0,-1 0 0,0-1 0,1 1 0,2 3 0,-1 1 0,1-2 0,-1 0 0,0-2 0,0-3 0,0 7 0,-1-1 0,-1-4 0,1-7 0,0-2 0,0-1 0</inkml:trace>
+  <inkml:trace contextRef="#ctx0" brushRef="#br1" timeOffset="83260">20496 9913 24575,'6'49'0,"0"-1"0,-1 1 0,1 0 0,-1-1 0,1 1 0,0 0 0,-1 0 0,1-1 0,-1 1 0,1 0 0,0-1 0,-1 1 0,1 0 0,1 4 0,0 2 0,1 1 0,-1 0 0,1 0 0,0-3 0,-1-2 0,-1-5 0,-1-4 0,0-7 0,-3-7 0,-1 7 0,0-11 0,7-9 0,-8-15 0</inkml:trace>
+  <inkml:trace contextRef="#ctx0" brushRef="#br1" timeOffset="83655">20708 10460 24575,'1'44'0,"1"1"0,-1-1 0,0 1 0,0 0 0,0-1 0,1 1 0,-1-1 0,1 4 0,1-7 0,0 8 0,-1-8 0,0 10 0,0 6 0,0 1 0,0-2 0,0-4 0,0-10 0,-1-11 0,3 6 0,8 13 0,0-14 0,-10-36 0,6 0 0</inkml:trace>
+  <inkml:trace contextRef="#ctx0" brushRef="#br1" timeOffset="83922">20937 10901 24575,'9'37'0,"-1"0"0,1 0 0,-3 4 0,0 1 0,1-9 0,11 0 0,-12 1 0,-4-5 0,-2-23 0,0 17 0</inkml:trace>
+  <inkml:trace contextRef="#ctx0" brushRef="#br1" timeOffset="84165">21114 11059 24575,'12'47'0,"1"-1"0,-1 0 0,-3-8 0,0-3 0,-2-6 0,1 5 0,-8-26 0</inkml:trace>
+</inkml:ink>
+</file>
+
 <file path=ppt/slideLayouts/slideLayout1.xml><?xml version="1.0" encoding="utf-8"?>
 <p:sldLayout xmlns:a="http://schemas.openxmlformats.org/drawingml/2006/main" xmlns:r="http://schemas.openxmlformats.org/officeDocument/2006/relationships" xmlns:p="http://schemas.openxmlformats.org/presentationml/2006/main" type="obj" preserve="1">
   <p:cSld name="Title Slide">
@@ -223,7 +392,7 @@
           <a:p>
             <a:fld id="{1D8BD707-D9CF-40AE-B4C6-C98DA3205C09}" type="datetimeFigureOut">
               <a:rPr lang="en-US"/>
-              <a:t>5/17/24</a:t>
+              <a:t>5/21/24</a:t>
             </a:fld>
             <a:endParaRPr lang="en-US"/>
           </a:p>
@@ -400,7 +569,7 @@
           <a:p>
             <a:fld id="{1D8BD707-D9CF-40AE-B4C6-C98DA3205C09}" type="datetimeFigureOut">
               <a:rPr lang="en-US"/>
-              <a:t>5/17/24</a:t>
+              <a:t>5/21/24</a:t>
             </a:fld>
             <a:endParaRPr lang="en-US"/>
           </a:p>
@@ -614,7 +783,7 @@
           <a:p>
             <a:fld id="{1D8BD707-D9CF-40AE-B4C6-C98DA3205C09}" type="datetimeFigureOut">
               <a:rPr lang="en-US"/>
-              <a:t>5/17/24</a:t>
+              <a:t>5/21/24</a:t>
             </a:fld>
             <a:endParaRPr lang="en-US"/>
           </a:p>
@@ -792,7 +961,7 @@
           <a:p>
             <a:fld id="{1D8BD707-D9CF-40AE-B4C6-C98DA3205C09}" type="datetimeFigureOut">
               <a:rPr lang="en-US"/>
-              <a:t>5/17/24</a:t>
+              <a:t>5/21/24</a:t>
             </a:fld>
             <a:endParaRPr lang="en-US"/>
           </a:p>
@@ -911,7 +1080,7 @@
           <a:p>
             <a:fld id="{1D8BD707-D9CF-40AE-B4C6-C98DA3205C09}" type="datetimeFigureOut">
               <a:rPr lang="en-US"/>
-              <a:t>5/17/24</a:t>
+              <a:t>5/21/24</a:t>
             </a:fld>
             <a:endParaRPr lang="en-US"/>
           </a:p>
@@ -1158,7 +1327,7 @@
           <a:p>
             <a:fld id="{1D8BD707-D9CF-40AE-B4C6-C98DA3205C09}" type="datetimeFigureOut">
               <a:rPr lang="en-US"/>
-              <a:t>5/17/24</a:t>
+              <a:t>5/21/24</a:t>
             </a:fld>
             <a:endParaRPr lang="en-US"/>
           </a:p>
@@ -33022,6 +33191,261 @@
           </a:prstGeom>
         </p:spPr>
       </p:pic>
+      <mc:AlternateContent xmlns:mc="http://schemas.openxmlformats.org/markup-compatibility/2006">
+        <mc:Choice xmlns:p14="http://schemas.microsoft.com/office/powerpoint/2010/main" Requires="p14">
+          <p:contentPart p14:bwMode="auto" r:id="rId3">
+            <p14:nvContentPartPr>
+              <p14:cNvPr id="6" name="Ink 5">
+                <a:extLst>
+                  <a:ext uri="{FF2B5EF4-FFF2-40B4-BE49-F238E27FC236}">
+                    <a16:creationId xmlns:a16="http://schemas.microsoft.com/office/drawing/2014/main" id="{91171C8C-0618-ACF2-623D-7A27226DC407}"/>
+                  </a:ext>
+                </a:extLst>
+              </p14:cNvPr>
+              <p14:cNvContentPartPr/>
+              <p14:nvPr/>
+            </p14:nvContentPartPr>
+            <p14:xfrm>
+              <a:off x="7068960" y="3454200"/>
+              <a:ext cx="202320" cy="295560"/>
+            </p14:xfrm>
+          </p:contentPart>
+        </mc:Choice>
+        <mc:Fallback>
+          <p:pic>
+            <p:nvPicPr>
+              <p:cNvPr id="6" name="Ink 5">
+                <a:extLst>
+                  <a:ext uri="{FF2B5EF4-FFF2-40B4-BE49-F238E27FC236}">
+                    <a16:creationId xmlns:a16="http://schemas.microsoft.com/office/drawing/2014/main" id="{91171C8C-0618-ACF2-623D-7A27226DC407}"/>
+                  </a:ext>
+                </a:extLst>
+              </p:cNvPr>
+              <p:cNvPicPr/>
+              <p:nvPr/>
+            </p:nvPicPr>
+            <p:blipFill>
+              <a:blip r:embed="rId4"/>
+              <a:stretch>
+                <a:fillRect/>
+              </a:stretch>
+            </p:blipFill>
+            <p:spPr>
+              <a:xfrm>
+                <a:off x="7053120" y="3390840"/>
+                <a:ext cx="233640" cy="422280"/>
+              </a:xfrm>
+              <a:prstGeom prst="rect">
+                <a:avLst/>
+              </a:prstGeom>
+            </p:spPr>
+          </p:pic>
+        </mc:Fallback>
+      </mc:AlternateContent>
+      <mc:AlternateContent xmlns:mc="http://schemas.openxmlformats.org/markup-compatibility/2006">
+        <mc:Choice xmlns:p14="http://schemas.microsoft.com/office/powerpoint/2010/main" Requires="p14">
+          <p:contentPart p14:bwMode="auto" r:id="rId5">
+            <p14:nvContentPartPr>
+              <p14:cNvPr id="7" name="Ink 6">
+                <a:extLst>
+                  <a:ext uri="{FF2B5EF4-FFF2-40B4-BE49-F238E27FC236}">
+                    <a16:creationId xmlns:a16="http://schemas.microsoft.com/office/drawing/2014/main" id="{0A1AD3AB-1DEF-26FD-60EF-A2688DAF3E28}"/>
+                  </a:ext>
+                </a:extLst>
+              </p14:cNvPr>
+              <p14:cNvContentPartPr/>
+              <p14:nvPr/>
+            </p14:nvContentPartPr>
+            <p14:xfrm>
+              <a:off x="6610320" y="3184920"/>
+              <a:ext cx="1172160" cy="942840"/>
+            </p14:xfrm>
+          </p:contentPart>
+        </mc:Choice>
+        <mc:Fallback>
+          <p:pic>
+            <p:nvPicPr>
+              <p:cNvPr id="7" name="Ink 6">
+                <a:extLst>
+                  <a:ext uri="{FF2B5EF4-FFF2-40B4-BE49-F238E27FC236}">
+                    <a16:creationId xmlns:a16="http://schemas.microsoft.com/office/drawing/2014/main" id="{0A1AD3AB-1DEF-26FD-60EF-A2688DAF3E28}"/>
+                  </a:ext>
+                </a:extLst>
+              </p:cNvPr>
+              <p:cNvPicPr/>
+              <p:nvPr/>
+            </p:nvPicPr>
+            <p:blipFill>
+              <a:blip r:embed="rId6"/>
+              <a:stretch>
+                <a:fillRect/>
+              </a:stretch>
+            </p:blipFill>
+            <p:spPr>
+              <a:xfrm>
+                <a:off x="6594480" y="3121560"/>
+                <a:ext cx="1203480" cy="1069560"/>
+              </a:xfrm>
+              <a:prstGeom prst="rect">
+                <a:avLst/>
+              </a:prstGeom>
+            </p:spPr>
+          </p:pic>
+        </mc:Fallback>
+      </mc:AlternateContent>
+      <mc:AlternateContent xmlns:mc="http://schemas.openxmlformats.org/markup-compatibility/2006">
+        <mc:Choice xmlns:p14="http://schemas.microsoft.com/office/powerpoint/2010/main" Requires="p14">
+          <p:contentPart p14:bwMode="auto" r:id="rId7">
+            <p14:nvContentPartPr>
+              <p14:cNvPr id="8" name="Ink 7">
+                <a:extLst>
+                  <a:ext uri="{FF2B5EF4-FFF2-40B4-BE49-F238E27FC236}">
+                    <a16:creationId xmlns:a16="http://schemas.microsoft.com/office/drawing/2014/main" id="{78C4DF7B-F713-F2A2-6741-0425F404B5B4}"/>
+                  </a:ext>
+                </a:extLst>
+              </p14:cNvPr>
+              <p14:cNvContentPartPr/>
+              <p14:nvPr/>
+            </p14:nvContentPartPr>
+            <p14:xfrm>
+              <a:off x="7071120" y="2152440"/>
+              <a:ext cx="248040" cy="1089000"/>
+            </p14:xfrm>
+          </p:contentPart>
+        </mc:Choice>
+        <mc:Fallback>
+          <p:pic>
+            <p:nvPicPr>
+              <p:cNvPr id="8" name="Ink 7">
+                <a:extLst>
+                  <a:ext uri="{FF2B5EF4-FFF2-40B4-BE49-F238E27FC236}">
+                    <a16:creationId xmlns:a16="http://schemas.microsoft.com/office/drawing/2014/main" id="{78C4DF7B-F713-F2A2-6741-0425F404B5B4}"/>
+                  </a:ext>
+                </a:extLst>
+              </p:cNvPr>
+              <p:cNvPicPr/>
+              <p:nvPr/>
+            </p:nvPicPr>
+            <p:blipFill>
+              <a:blip r:embed="rId8"/>
+              <a:stretch>
+                <a:fillRect/>
+              </a:stretch>
+            </p:blipFill>
+            <p:spPr>
+              <a:xfrm>
+                <a:off x="7055280" y="2089080"/>
+                <a:ext cx="279360" cy="1215720"/>
+              </a:xfrm>
+              <a:prstGeom prst="rect">
+                <a:avLst/>
+              </a:prstGeom>
+            </p:spPr>
+          </p:pic>
+        </mc:Fallback>
+      </mc:AlternateContent>
+      <mc:AlternateContent xmlns:mc="http://schemas.openxmlformats.org/markup-compatibility/2006">
+        <mc:Choice xmlns:p14="http://schemas.microsoft.com/office/powerpoint/2010/main" Requires="p14">
+          <p:contentPart p14:bwMode="auto" r:id="rId9">
+            <p14:nvContentPartPr>
+              <p14:cNvPr id="9" name="Ink 8">
+                <a:extLst>
+                  <a:ext uri="{FF2B5EF4-FFF2-40B4-BE49-F238E27FC236}">
+                    <a16:creationId xmlns:a16="http://schemas.microsoft.com/office/drawing/2014/main" id="{45A66F7F-25E8-CD5E-7D89-FF092AC0F8F2}"/>
+                  </a:ext>
+                </a:extLst>
+              </p14:cNvPr>
+              <p14:cNvContentPartPr/>
+              <p14:nvPr/>
+            </p14:nvContentPartPr>
+            <p14:xfrm>
+              <a:off x="7093080" y="2171520"/>
+              <a:ext cx="222840" cy="1045440"/>
+            </p14:xfrm>
+          </p:contentPart>
+        </mc:Choice>
+        <mc:Fallback>
+          <p:pic>
+            <p:nvPicPr>
+              <p:cNvPr id="9" name="Ink 8">
+                <a:extLst>
+                  <a:ext uri="{FF2B5EF4-FFF2-40B4-BE49-F238E27FC236}">
+                    <a16:creationId xmlns:a16="http://schemas.microsoft.com/office/drawing/2014/main" id="{45A66F7F-25E8-CD5E-7D89-FF092AC0F8F2}"/>
+                  </a:ext>
+                </a:extLst>
+              </p:cNvPr>
+              <p:cNvPicPr/>
+              <p:nvPr/>
+            </p:nvPicPr>
+            <p:blipFill>
+              <a:blip r:embed="rId10"/>
+              <a:stretch>
+                <a:fillRect/>
+              </a:stretch>
+            </p:blipFill>
+            <p:spPr>
+              <a:xfrm>
+                <a:off x="7077240" y="2108160"/>
+                <a:ext cx="254160" cy="1172160"/>
+              </a:xfrm>
+              <a:prstGeom prst="rect">
+                <a:avLst/>
+              </a:prstGeom>
+            </p:spPr>
+          </p:pic>
+        </mc:Fallback>
+      </mc:AlternateContent>
+      <mc:AlternateContent xmlns:mc="http://schemas.openxmlformats.org/markup-compatibility/2006">
+        <mc:Choice xmlns:p14="http://schemas.microsoft.com/office/powerpoint/2010/main" Requires="p14">
+          <p:contentPart p14:bwMode="auto" r:id="rId11">
+            <p14:nvContentPartPr>
+              <p14:cNvPr id="10" name="Ink 9">
+                <a:extLst>
+                  <a:ext uri="{FF2B5EF4-FFF2-40B4-BE49-F238E27FC236}">
+                    <a16:creationId xmlns:a16="http://schemas.microsoft.com/office/drawing/2014/main" id="{1A863F7F-C56D-72A6-9BC0-A950FA0BD1D0}"/>
+                  </a:ext>
+                </a:extLst>
+              </p14:cNvPr>
+              <p14:cNvContentPartPr/>
+              <p14:nvPr/>
+            </p14:nvContentPartPr>
+            <p14:xfrm>
+              <a:off x="6058440" y="1498680"/>
+              <a:ext cx="1568160" cy="3079800"/>
+            </p14:xfrm>
+          </p:contentPart>
+        </mc:Choice>
+        <mc:Fallback>
+          <p:pic>
+            <p:nvPicPr>
+              <p:cNvPr id="10" name="Ink 9">
+                <a:extLst>
+                  <a:ext uri="{FF2B5EF4-FFF2-40B4-BE49-F238E27FC236}">
+                    <a16:creationId xmlns:a16="http://schemas.microsoft.com/office/drawing/2014/main" id="{1A863F7F-C56D-72A6-9BC0-A950FA0BD1D0}"/>
+                  </a:ext>
+                </a:extLst>
+              </p:cNvPr>
+              <p:cNvPicPr/>
+              <p:nvPr/>
+            </p:nvPicPr>
+            <p:blipFill>
+              <a:blip r:embed="rId12"/>
+              <a:stretch>
+                <a:fillRect/>
+              </a:stretch>
+            </p:blipFill>
+            <p:spPr>
+              <a:xfrm>
+                <a:off x="6049080" y="1489320"/>
+                <a:ext cx="1586880" cy="3098520"/>
+              </a:xfrm>
+              <a:prstGeom prst="rect">
+                <a:avLst/>
+              </a:prstGeom>
+            </p:spPr>
+          </p:pic>
+        </mc:Fallback>
+      </mc:AlternateContent>
     </p:spTree>
   </p:cSld>
   <p:clrMapOvr>
